--- a/Documents/最终文档/PPT/visualPunk-ppt.pptx
+++ b/Documents/最终文档/PPT/visualPunk-ppt.pptx
@@ -219,7 +219,7 @@
           <a:p>
             <a:fld id="{0DC58FF6-4467-43F1-89AB-D185139918FC}" type="datetimeFigureOut">
               <a:rPr lang="zh-CN" altLang="en-US" smtClean="0"/>
-              <a:t>2019/1/9</a:t>
+              <a:t>2019/1/13</a:t>
             </a:fld>
             <a:endParaRPr lang="zh-CN" altLang="en-US"/>
           </a:p>
@@ -1463,7 +1463,7 @@
           <a:p>
             <a:fld id="{47496A82-8C58-4230-85E6-C1DB51D5629D}" type="datetimeFigureOut">
               <a:rPr lang="zh-CN" altLang="en-US" smtClean="0"/>
-              <a:t>2019/1/9</a:t>
+              <a:t>2019/1/13</a:t>
             </a:fld>
             <a:endParaRPr lang="zh-CN" altLang="en-US"/>
           </a:p>
@@ -1561,7 +1561,7 @@
           <a:p>
             <a:fld id="{47496A82-8C58-4230-85E6-C1DB51D5629D}" type="datetimeFigureOut">
               <a:rPr lang="zh-CN" altLang="en-US" smtClean="0"/>
-              <a:t>2019/1/9</a:t>
+              <a:t>2019/1/13</a:t>
             </a:fld>
             <a:endParaRPr lang="zh-CN" altLang="en-US"/>
           </a:p>
@@ -1659,7 +1659,7 @@
           <a:p>
             <a:fld id="{47496A82-8C58-4230-85E6-C1DB51D5629D}" type="datetimeFigureOut">
               <a:rPr lang="zh-CN" altLang="en-US" smtClean="0"/>
-              <a:t>2019/1/9</a:t>
+              <a:t>2019/1/13</a:t>
             </a:fld>
             <a:endParaRPr lang="zh-CN" altLang="en-US"/>
           </a:p>
@@ -1757,7 +1757,7 @@
           <a:p>
             <a:fld id="{47496A82-8C58-4230-85E6-C1DB51D5629D}" type="datetimeFigureOut">
               <a:rPr lang="zh-CN" altLang="en-US" smtClean="0"/>
-              <a:t>2019/1/9</a:t>
+              <a:t>2019/1/13</a:t>
             </a:fld>
             <a:endParaRPr lang="zh-CN" altLang="en-US"/>
           </a:p>
@@ -1855,7 +1855,7 @@
           <a:p>
             <a:fld id="{47496A82-8C58-4230-85E6-C1DB51D5629D}" type="datetimeFigureOut">
               <a:rPr lang="zh-CN" altLang="en-US" smtClean="0"/>
-              <a:t>2019/1/9</a:t>
+              <a:t>2019/1/13</a:t>
             </a:fld>
             <a:endParaRPr lang="zh-CN" altLang="en-US"/>
           </a:p>
@@ -1953,7 +1953,7 @@
           <a:p>
             <a:fld id="{47496A82-8C58-4230-85E6-C1DB51D5629D}" type="datetimeFigureOut">
               <a:rPr lang="zh-CN" altLang="en-US" smtClean="0"/>
-              <a:t>2019/1/9</a:t>
+              <a:t>2019/1/13</a:t>
             </a:fld>
             <a:endParaRPr lang="zh-CN" altLang="en-US"/>
           </a:p>
@@ -2051,7 +2051,7 @@
           <a:p>
             <a:fld id="{47496A82-8C58-4230-85E6-C1DB51D5629D}" type="datetimeFigureOut">
               <a:rPr lang="zh-CN" altLang="en-US" smtClean="0"/>
-              <a:t>2019/1/9</a:t>
+              <a:t>2019/1/13</a:t>
             </a:fld>
             <a:endParaRPr lang="zh-CN" altLang="en-US"/>
           </a:p>
@@ -2149,7 +2149,7 @@
           <a:p>
             <a:fld id="{47496A82-8C58-4230-85E6-C1DB51D5629D}" type="datetimeFigureOut">
               <a:rPr lang="zh-CN" altLang="en-US" smtClean="0"/>
-              <a:t>2019/1/9</a:t>
+              <a:t>2019/1/13</a:t>
             </a:fld>
             <a:endParaRPr lang="zh-CN" altLang="en-US"/>
           </a:p>
@@ -2247,7 +2247,7 @@
           <a:p>
             <a:fld id="{47496A82-8C58-4230-85E6-C1DB51D5629D}" type="datetimeFigureOut">
               <a:rPr lang="zh-CN" altLang="en-US" smtClean="0"/>
-              <a:t>2019/1/9</a:t>
+              <a:t>2019/1/13</a:t>
             </a:fld>
             <a:endParaRPr lang="zh-CN" altLang="en-US"/>
           </a:p>
@@ -2345,7 +2345,7 @@
           <a:p>
             <a:fld id="{47496A82-8C58-4230-85E6-C1DB51D5629D}" type="datetimeFigureOut">
               <a:rPr lang="zh-CN" altLang="en-US" smtClean="0"/>
-              <a:t>2019/1/9</a:t>
+              <a:t>2019/1/13</a:t>
             </a:fld>
             <a:endParaRPr lang="zh-CN" altLang="en-US"/>
           </a:p>
@@ -2443,7 +2443,7 @@
           <a:p>
             <a:fld id="{47496A82-8C58-4230-85E6-C1DB51D5629D}" type="datetimeFigureOut">
               <a:rPr lang="zh-CN" altLang="en-US" smtClean="0"/>
-              <a:t>2019/1/9</a:t>
+              <a:t>2019/1/13</a:t>
             </a:fld>
             <a:endParaRPr lang="zh-CN" altLang="en-US"/>
           </a:p>
@@ -2564,7 +2564,7 @@
           <a:p>
             <a:fld id="{47496A82-8C58-4230-85E6-C1DB51D5629D}" type="datetimeFigureOut">
               <a:rPr lang="zh-CN" altLang="en-US" smtClean="0"/>
-              <a:t>2019/1/9</a:t>
+              <a:t>2019/1/13</a:t>
             </a:fld>
             <a:endParaRPr lang="zh-CN" altLang="en-US"/>
           </a:p>
@@ -9648,7 +9648,7 @@
               </a:lnSpc>
             </a:pPr>
             <a:r>
-              <a:rPr sz="1600" dirty="0">
+              <a:rPr sz="1600" dirty="0" err="1">
                 <a:solidFill>
                   <a:schemeClr val="tx1">
                     <a:lumMod val="65000"/>
@@ -9659,8 +9659,75 @@
                 <a:ea typeface="微软雅黑" panose="020B0503020204020204" pitchFamily="34" charset="-122"/>
                 <a:cs typeface="Leelawadee" panose="020B0502040204020203" pitchFamily="34" charset="-34"/>
               </a:rPr>
-              <a:t>通过国际濒危物种贸易公约cites濒危动物进出口数据来分析濒危动物进出口流向、以及交易的数量变化，以及用途的变化</a:t>
+              <a:t>通过国际濒危物种贸易公约cites濒危动</a:t>
             </a:r>
+            <a:r>
+              <a:rPr lang="zh-CN" altLang="en-US" sz="1600" dirty="0">
+                <a:solidFill>
+                  <a:schemeClr val="tx1">
+                    <a:lumMod val="65000"/>
+                    <a:lumOff val="35000"/>
+                  </a:schemeClr>
+                </a:solidFill>
+                <a:latin typeface="微软雅黑" panose="020B0503020204020204" pitchFamily="34" charset="-122"/>
+                <a:ea typeface="微软雅黑" panose="020B0503020204020204" pitchFamily="34" charset="-122"/>
+                <a:cs typeface="Leelawadee" panose="020B0502040204020203" pitchFamily="34" charset="-34"/>
+              </a:rPr>
+              <a:t>植</a:t>
+            </a:r>
+            <a:r>
+              <a:rPr sz="1600" dirty="0" err="1">
+                <a:solidFill>
+                  <a:schemeClr val="tx1">
+                    <a:lumMod val="65000"/>
+                    <a:lumOff val="35000"/>
+                  </a:schemeClr>
+                </a:solidFill>
+                <a:latin typeface="微软雅黑" panose="020B0503020204020204" pitchFamily="34" charset="-122"/>
+                <a:ea typeface="微软雅黑" panose="020B0503020204020204" pitchFamily="34" charset="-122"/>
+                <a:cs typeface="Leelawadee" panose="020B0502040204020203" pitchFamily="34" charset="-34"/>
+              </a:rPr>
+              <a:t>物进出口数据来分析濒危动</a:t>
+            </a:r>
+            <a:r>
+              <a:rPr lang="zh-CN" altLang="en-US" sz="1600" dirty="0">
+                <a:solidFill>
+                  <a:schemeClr val="tx1">
+                    <a:lumMod val="65000"/>
+                    <a:lumOff val="35000"/>
+                  </a:schemeClr>
+                </a:solidFill>
+                <a:latin typeface="微软雅黑" panose="020B0503020204020204" pitchFamily="34" charset="-122"/>
+                <a:ea typeface="微软雅黑" panose="020B0503020204020204" pitchFamily="34" charset="-122"/>
+                <a:cs typeface="Leelawadee" panose="020B0502040204020203" pitchFamily="34" charset="-34"/>
+              </a:rPr>
+              <a:t>植</a:t>
+            </a:r>
+            <a:r>
+              <a:rPr sz="1600" dirty="0" err="1">
+                <a:solidFill>
+                  <a:schemeClr val="tx1">
+                    <a:lumMod val="65000"/>
+                    <a:lumOff val="35000"/>
+                  </a:schemeClr>
+                </a:solidFill>
+                <a:latin typeface="微软雅黑" panose="020B0503020204020204" pitchFamily="34" charset="-122"/>
+                <a:ea typeface="微软雅黑" panose="020B0503020204020204" pitchFamily="34" charset="-122"/>
+                <a:cs typeface="Leelawadee" panose="020B0502040204020203" pitchFamily="34" charset="-34"/>
+              </a:rPr>
+              <a:t>物进出口流向、以及交易的数量变化，以及用途的变化</a:t>
+            </a:r>
+            <a:endParaRPr sz="1600" dirty="0">
+              <a:solidFill>
+                <a:schemeClr val="tx1">
+                  <a:lumMod val="65000"/>
+                  <a:lumOff val="35000"/>
+                </a:schemeClr>
+              </a:solidFill>
+              <a:latin typeface="微软雅黑" panose="020B0503020204020204" pitchFamily="34" charset="-122"/>
+              <a:ea typeface="微软雅黑" panose="020B0503020204020204" pitchFamily="34" charset="-122"/>
+              <a:cs typeface="Leelawadee" panose="020B0502040204020203" pitchFamily="34" charset="-34"/>
+            </a:endParaRPr>
           </a:p>
         </p:txBody>
       </p:sp>

--- a/Documents/最终文档/PPT/visualPunk-ppt.pptx
+++ b/Documents/最终文档/PPT/visualPunk-ppt.pptx
@@ -219,7 +219,7 @@
           <a:p>
             <a:fld id="{0DC58FF6-4467-43F1-89AB-D185139918FC}" type="datetimeFigureOut">
               <a:rPr lang="zh-CN" altLang="en-US" smtClean="0"/>
-              <a:t>2019/1/13</a:t>
+              <a:t>2019/1/17</a:t>
             </a:fld>
             <a:endParaRPr lang="zh-CN" altLang="en-US"/>
           </a:p>
@@ -1463,7 +1463,7 @@
           <a:p>
             <a:fld id="{47496A82-8C58-4230-85E6-C1DB51D5629D}" type="datetimeFigureOut">
               <a:rPr lang="zh-CN" altLang="en-US" smtClean="0"/>
-              <a:t>2019/1/13</a:t>
+              <a:t>2019/1/17</a:t>
             </a:fld>
             <a:endParaRPr lang="zh-CN" altLang="en-US"/>
           </a:p>
@@ -1561,7 +1561,7 @@
           <a:p>
             <a:fld id="{47496A82-8C58-4230-85E6-C1DB51D5629D}" type="datetimeFigureOut">
               <a:rPr lang="zh-CN" altLang="en-US" smtClean="0"/>
-              <a:t>2019/1/13</a:t>
+              <a:t>2019/1/17</a:t>
             </a:fld>
             <a:endParaRPr lang="zh-CN" altLang="en-US"/>
           </a:p>
@@ -1659,7 +1659,7 @@
           <a:p>
             <a:fld id="{47496A82-8C58-4230-85E6-C1DB51D5629D}" type="datetimeFigureOut">
               <a:rPr lang="zh-CN" altLang="en-US" smtClean="0"/>
-              <a:t>2019/1/13</a:t>
+              <a:t>2019/1/17</a:t>
             </a:fld>
             <a:endParaRPr lang="zh-CN" altLang="en-US"/>
           </a:p>
@@ -1757,7 +1757,7 @@
           <a:p>
             <a:fld id="{47496A82-8C58-4230-85E6-C1DB51D5629D}" type="datetimeFigureOut">
               <a:rPr lang="zh-CN" altLang="en-US" smtClean="0"/>
-              <a:t>2019/1/13</a:t>
+              <a:t>2019/1/17</a:t>
             </a:fld>
             <a:endParaRPr lang="zh-CN" altLang="en-US"/>
           </a:p>
@@ -1855,7 +1855,7 @@
           <a:p>
             <a:fld id="{47496A82-8C58-4230-85E6-C1DB51D5629D}" type="datetimeFigureOut">
               <a:rPr lang="zh-CN" altLang="en-US" smtClean="0"/>
-              <a:t>2019/1/13</a:t>
+              <a:t>2019/1/17</a:t>
             </a:fld>
             <a:endParaRPr lang="zh-CN" altLang="en-US"/>
           </a:p>
@@ -1953,7 +1953,7 @@
           <a:p>
             <a:fld id="{47496A82-8C58-4230-85E6-C1DB51D5629D}" type="datetimeFigureOut">
               <a:rPr lang="zh-CN" altLang="en-US" smtClean="0"/>
-              <a:t>2019/1/13</a:t>
+              <a:t>2019/1/17</a:t>
             </a:fld>
             <a:endParaRPr lang="zh-CN" altLang="en-US"/>
           </a:p>
@@ -2051,7 +2051,7 @@
           <a:p>
             <a:fld id="{47496A82-8C58-4230-85E6-C1DB51D5629D}" type="datetimeFigureOut">
               <a:rPr lang="zh-CN" altLang="en-US" smtClean="0"/>
-              <a:t>2019/1/13</a:t>
+              <a:t>2019/1/17</a:t>
             </a:fld>
             <a:endParaRPr lang="zh-CN" altLang="en-US"/>
           </a:p>
@@ -2149,7 +2149,7 @@
           <a:p>
             <a:fld id="{47496A82-8C58-4230-85E6-C1DB51D5629D}" type="datetimeFigureOut">
               <a:rPr lang="zh-CN" altLang="en-US" smtClean="0"/>
-              <a:t>2019/1/13</a:t>
+              <a:t>2019/1/17</a:t>
             </a:fld>
             <a:endParaRPr lang="zh-CN" altLang="en-US"/>
           </a:p>
@@ -2247,7 +2247,7 @@
           <a:p>
             <a:fld id="{47496A82-8C58-4230-85E6-C1DB51D5629D}" type="datetimeFigureOut">
               <a:rPr lang="zh-CN" altLang="en-US" smtClean="0"/>
-              <a:t>2019/1/13</a:t>
+              <a:t>2019/1/17</a:t>
             </a:fld>
             <a:endParaRPr lang="zh-CN" altLang="en-US"/>
           </a:p>
@@ -2345,7 +2345,7 @@
           <a:p>
             <a:fld id="{47496A82-8C58-4230-85E6-C1DB51D5629D}" type="datetimeFigureOut">
               <a:rPr lang="zh-CN" altLang="en-US" smtClean="0"/>
-              <a:t>2019/1/13</a:t>
+              <a:t>2019/1/17</a:t>
             </a:fld>
             <a:endParaRPr lang="zh-CN" altLang="en-US"/>
           </a:p>
@@ -2443,7 +2443,7 @@
           <a:p>
             <a:fld id="{47496A82-8C58-4230-85E6-C1DB51D5629D}" type="datetimeFigureOut">
               <a:rPr lang="zh-CN" altLang="en-US" smtClean="0"/>
-              <a:t>2019/1/13</a:t>
+              <a:t>2019/1/17</a:t>
             </a:fld>
             <a:endParaRPr lang="zh-CN" altLang="en-US"/>
           </a:p>
@@ -2564,7 +2564,7 @@
           <a:p>
             <a:fld id="{47496A82-8C58-4230-85E6-C1DB51D5629D}" type="datetimeFigureOut">
               <a:rPr lang="zh-CN" altLang="en-US" smtClean="0"/>
-              <a:t>2019/1/13</a:t>
+              <a:t>2019/1/17</a:t>
             </a:fld>
             <a:endParaRPr lang="zh-CN" altLang="en-US"/>
           </a:p>
@@ -6911,7 +6911,7 @@
                 <a:latin typeface="微软雅黑" panose="020B0503020204020204" pitchFamily="34" charset="-122"/>
                 <a:ea typeface="微软雅黑" panose="020B0503020204020204" pitchFamily="34" charset="-122"/>
               </a:rPr>
-              <a:t>数据选取</a:t>
+              <a:t>实现效果</a:t>
             </a:r>
           </a:p>
         </p:txBody>
@@ -7430,8 +7430,61 @@
                 <a:ea typeface="微软雅黑" panose="020B0503020204020204" pitchFamily="34" charset="-122"/>
                 <a:cs typeface="Leelawadee" panose="020B0502040204020203" pitchFamily="34" charset="-34"/>
               </a:rPr>
-              <a:t>+ 濒危动物交易量有所下降</a:t>
+              <a:t>+ </a:t>
             </a:r>
+            <a:r>
+              <a:rPr sz="1600" dirty="0" err="1">
+                <a:solidFill>
+                  <a:schemeClr val="tx1">
+                    <a:lumMod val="65000"/>
+                    <a:lumOff val="35000"/>
+                  </a:schemeClr>
+                </a:solidFill>
+                <a:latin typeface="微软雅黑" panose="020B0503020204020204" pitchFamily="34" charset="-122"/>
+                <a:ea typeface="微软雅黑" panose="020B0503020204020204" pitchFamily="34" charset="-122"/>
+                <a:cs typeface="Leelawadee" panose="020B0502040204020203" pitchFamily="34" charset="-34"/>
+              </a:rPr>
+              <a:t>濒危动</a:t>
+            </a:r>
+            <a:r>
+              <a:rPr lang="zh-CN" altLang="en-US" sz="1600">
+                <a:solidFill>
+                  <a:schemeClr val="tx1">
+                    <a:lumMod val="65000"/>
+                    <a:lumOff val="35000"/>
+                  </a:schemeClr>
+                </a:solidFill>
+                <a:latin typeface="微软雅黑" panose="020B0503020204020204" pitchFamily="34" charset="-122"/>
+                <a:ea typeface="微软雅黑" panose="020B0503020204020204" pitchFamily="34" charset="-122"/>
+                <a:cs typeface="Leelawadee" panose="020B0502040204020203" pitchFamily="34" charset="-34"/>
+              </a:rPr>
+              <a:t>植</a:t>
+            </a:r>
+            <a:r>
+              <a:rPr sz="1600">
+                <a:solidFill>
+                  <a:schemeClr val="tx1">
+                    <a:lumMod val="65000"/>
+                    <a:lumOff val="35000"/>
+                  </a:schemeClr>
+                </a:solidFill>
+                <a:latin typeface="微软雅黑" panose="020B0503020204020204" pitchFamily="34" charset="-122"/>
+                <a:ea typeface="微软雅黑" panose="020B0503020204020204" pitchFamily="34" charset="-122"/>
+                <a:cs typeface="Leelawadee" panose="020B0502040204020203" pitchFamily="34" charset="-34"/>
+              </a:rPr>
+              <a:t>物交易量有所下降</a:t>
+            </a:r>
+            <a:endParaRPr sz="1600" dirty="0">
+              <a:solidFill>
+                <a:schemeClr val="tx1">
+                  <a:lumMod val="65000"/>
+                  <a:lumOff val="35000"/>
+                </a:schemeClr>
+              </a:solidFill>
+              <a:latin typeface="微软雅黑" panose="020B0503020204020204" pitchFamily="34" charset="-122"/>
+              <a:ea typeface="微软雅黑" panose="020B0503020204020204" pitchFamily="34" charset="-122"/>
+              <a:cs typeface="Leelawadee" panose="020B0502040204020203" pitchFamily="34" charset="-34"/>
+            </a:endParaRPr>
           </a:p>
           <a:p>
             <a:pPr>
